--- a/Demo Battle Card.pptx
+++ b/Demo Battle Card.pptx
@@ -259,14 +259,14 @@
               <ma14:placeholderFlag xmlns:ma14="http://schemas.microsoft.com/office/mac/drawingml/2011/main" val="1"/>
             </a:ext>
             <a:ext uri="{909E8E84-426E-40dd-AFC4-6F175D3DCCD1}">
-              <a14:hiddenFill xmlns:a14="http://schemas.microsoft.com/office/drawing/2010/main" xmlns="">
+              <a14:hiddenFill xmlns="" xmlns:a14="http://schemas.microsoft.com/office/drawing/2010/main">
                 <a:solidFill>
                   <a:schemeClr val="accent1"/>
                 </a:solidFill>
               </a14:hiddenFill>
             </a:ext>
             <a:ext uri="{91240B29-F687-4f45-9708-019B960494DF}">
-              <a14:hiddenLine xmlns:a14="http://schemas.microsoft.com/office/drawing/2010/main" xmlns="" w="9525">
+              <a14:hiddenLine xmlns="" xmlns:a14="http://schemas.microsoft.com/office/drawing/2010/main" w="9525">
                 <a:solidFill>
                   <a:schemeClr val="tx1"/>
                 </a:solidFill>
@@ -276,7 +276,7 @@
               </a14:hiddenLine>
             </a:ext>
             <a:ext uri="{AF507438-7753-43e0-B8FC-AC1667EBCBE1}">
-              <a14:hiddenEffects xmlns:a14="http://schemas.microsoft.com/office/drawing/2010/main" xmlns="">
+              <a14:hiddenEffects xmlns="" xmlns:a14="http://schemas.microsoft.com/office/drawing/2010/main">
                 <a:effectLst>
                   <a:outerShdw blurRad="63500" dist="38099" dir="2700000" algn="ctr" rotWithShape="0">
                     <a:schemeClr val="bg2">
@@ -342,14 +342,14 @@
               <ma14:placeholderFlag xmlns:ma14="http://schemas.microsoft.com/office/mac/drawingml/2011/main" val="1"/>
             </a:ext>
             <a:ext uri="{909E8E84-426E-40dd-AFC4-6F175D3DCCD1}">
-              <a14:hiddenFill xmlns:a14="http://schemas.microsoft.com/office/drawing/2010/main" xmlns="">
+              <a14:hiddenFill xmlns="" xmlns:a14="http://schemas.microsoft.com/office/drawing/2010/main">
                 <a:solidFill>
                   <a:schemeClr val="accent1"/>
                 </a:solidFill>
               </a14:hiddenFill>
             </a:ext>
             <a:ext uri="{91240B29-F687-4f45-9708-019B960494DF}">
-              <a14:hiddenLine xmlns:a14="http://schemas.microsoft.com/office/drawing/2010/main" xmlns="" w="9525">
+              <a14:hiddenLine xmlns="" xmlns:a14="http://schemas.microsoft.com/office/drawing/2010/main" w="9525">
                 <a:solidFill>
                   <a:schemeClr val="tx1"/>
                 </a:solidFill>
@@ -359,7 +359,7 @@
               </a14:hiddenLine>
             </a:ext>
             <a:ext uri="{AF507438-7753-43e0-B8FC-AC1667EBCBE1}">
-              <a14:hiddenEffects xmlns:a14="http://schemas.microsoft.com/office/drawing/2010/main" xmlns="">
+              <a14:hiddenEffects xmlns="" xmlns:a14="http://schemas.microsoft.com/office/drawing/2010/main">
                 <a:effectLst>
                   <a:outerShdw blurRad="63500" dist="38099" dir="2700000" algn="ctr" rotWithShape="0">
                     <a:schemeClr val="bg2">
@@ -425,14 +425,14 @@
               <ma14:placeholderFlag xmlns:ma14="http://schemas.microsoft.com/office/mac/drawingml/2011/main" val="1"/>
             </a:ext>
             <a:ext uri="{909E8E84-426E-40dd-AFC4-6F175D3DCCD1}">
-              <a14:hiddenFill xmlns:a14="http://schemas.microsoft.com/office/drawing/2010/main" xmlns="">
+              <a14:hiddenFill xmlns="" xmlns:a14="http://schemas.microsoft.com/office/drawing/2010/main">
                 <a:solidFill>
                   <a:schemeClr val="accent1"/>
                 </a:solidFill>
               </a14:hiddenFill>
             </a:ext>
             <a:ext uri="{91240B29-F687-4f45-9708-019B960494DF}">
-              <a14:hiddenLine xmlns:a14="http://schemas.microsoft.com/office/drawing/2010/main" xmlns="" w="9525">
+              <a14:hiddenLine xmlns="" xmlns:a14="http://schemas.microsoft.com/office/drawing/2010/main" w="9525">
                 <a:solidFill>
                   <a:schemeClr val="tx1"/>
                 </a:solidFill>
@@ -442,7 +442,7 @@
               </a14:hiddenLine>
             </a:ext>
             <a:ext uri="{AF507438-7753-43e0-B8FC-AC1667EBCBE1}">
-              <a14:hiddenEffects xmlns:a14="http://schemas.microsoft.com/office/drawing/2010/main" xmlns="">
+              <a14:hiddenEffects xmlns="" xmlns:a14="http://schemas.microsoft.com/office/drawing/2010/main">
                 <a:effectLst>
                   <a:outerShdw blurRad="63500" dist="38099" dir="2700000" algn="ctr" rotWithShape="0">
                     <a:schemeClr val="bg2">
@@ -505,14 +505,14 @@
           <a:effectLst/>
           <a:extLst>
             <a:ext uri="{909E8E84-426E-40dd-AFC4-6F175D3DCCD1}">
-              <a14:hiddenFill xmlns:a14="http://schemas.microsoft.com/office/drawing/2010/main" xmlns="">
+              <a14:hiddenFill xmlns="" xmlns:a14="http://schemas.microsoft.com/office/drawing/2010/main">
                 <a:solidFill>
                   <a:schemeClr val="accent1"/>
                 </a:solidFill>
               </a14:hiddenFill>
             </a:ext>
             <a:ext uri="{91240B29-F687-4f45-9708-019B960494DF}">
-              <a14:hiddenLine xmlns:a14="http://schemas.microsoft.com/office/drawing/2010/main" xmlns="" w="9525">
+              <a14:hiddenLine xmlns="" xmlns:a14="http://schemas.microsoft.com/office/drawing/2010/main" w="9525">
                 <a:solidFill>
                   <a:schemeClr val="tx1"/>
                 </a:solidFill>
@@ -522,7 +522,7 @@
               </a14:hiddenLine>
             </a:ext>
             <a:ext uri="{AF507438-7753-43e0-B8FC-AC1667EBCBE1}">
-              <a14:hiddenEffects xmlns:a14="http://schemas.microsoft.com/office/drawing/2010/main" xmlns="">
+              <a14:hiddenEffects xmlns="" xmlns:a14="http://schemas.microsoft.com/office/drawing/2010/main">
                 <a:effectLst>
                   <a:outerShdw blurRad="63500" dist="38099" dir="2700000" algn="ctr" rotWithShape="0">
                     <a:schemeClr val="bg2">
@@ -631,14 +631,14 @@
               <ma14:placeholderFlag xmlns:ma14="http://schemas.microsoft.com/office/mac/drawingml/2011/main" val="1"/>
             </a:ext>
             <a:ext uri="{909E8E84-426E-40dd-AFC4-6F175D3DCCD1}">
-              <a14:hiddenFill xmlns:a14="http://schemas.microsoft.com/office/drawing/2010/main" xmlns="">
+              <a14:hiddenFill xmlns="" xmlns:a14="http://schemas.microsoft.com/office/drawing/2010/main">
                 <a:solidFill>
                   <a:schemeClr val="accent1"/>
                 </a:solidFill>
               </a14:hiddenFill>
             </a:ext>
             <a:ext uri="{91240B29-F687-4f45-9708-019B960494DF}">
-              <a14:hiddenLine xmlns:a14="http://schemas.microsoft.com/office/drawing/2010/main" xmlns="" w="9525">
+              <a14:hiddenLine xmlns="" xmlns:a14="http://schemas.microsoft.com/office/drawing/2010/main" w="9525">
                 <a:solidFill>
                   <a:schemeClr val="tx1"/>
                 </a:solidFill>
@@ -648,7 +648,7 @@
               </a14:hiddenLine>
             </a:ext>
             <a:ext uri="{AF507438-7753-43e0-B8FC-AC1667EBCBE1}">
-              <a14:hiddenEffects xmlns:a14="http://schemas.microsoft.com/office/drawing/2010/main" xmlns="">
+              <a14:hiddenEffects xmlns="" xmlns:a14="http://schemas.microsoft.com/office/drawing/2010/main">
                 <a:effectLst>
                   <a:outerShdw blurRad="63500" dist="38099" dir="2700000" algn="ctr" rotWithShape="0">
                     <a:schemeClr val="bg2">
@@ -714,14 +714,14 @@
               <ma14:placeholderFlag xmlns:ma14="http://schemas.microsoft.com/office/mac/drawingml/2011/main" val="1"/>
             </a:ext>
             <a:ext uri="{909E8E84-426E-40dd-AFC4-6F175D3DCCD1}">
-              <a14:hiddenFill xmlns:a14="http://schemas.microsoft.com/office/drawing/2010/main" xmlns="">
+              <a14:hiddenFill xmlns="" xmlns:a14="http://schemas.microsoft.com/office/drawing/2010/main">
                 <a:solidFill>
                   <a:schemeClr val="accent1"/>
                 </a:solidFill>
               </a14:hiddenFill>
             </a:ext>
             <a:ext uri="{91240B29-F687-4f45-9708-019B960494DF}">
-              <a14:hiddenLine xmlns:a14="http://schemas.microsoft.com/office/drawing/2010/main" xmlns="" w="9525">
+              <a14:hiddenLine xmlns="" xmlns:a14="http://schemas.microsoft.com/office/drawing/2010/main" w="9525">
                 <a:solidFill>
                   <a:schemeClr val="tx1"/>
                 </a:solidFill>
@@ -731,7 +731,7 @@
               </a14:hiddenLine>
             </a:ext>
             <a:ext uri="{AF507438-7753-43e0-B8FC-AC1667EBCBE1}">
-              <a14:hiddenEffects xmlns:a14="http://schemas.microsoft.com/office/drawing/2010/main" xmlns="">
+              <a14:hiddenEffects xmlns="" xmlns:a14="http://schemas.microsoft.com/office/drawing/2010/main">
                 <a:effectLst>
                   <a:outerShdw blurRad="63500" dist="38099" dir="2700000" algn="ctr" rotWithShape="0">
                     <a:schemeClr val="bg2">
@@ -799,7 +799,7 @@
           <a:effectLst/>
           <a:extLst>
             <a:ext uri="{AF507438-7753-43e0-B8FC-AC1667EBCBE1}">
-              <a14:hiddenEffects xmlns:a14="http://schemas.microsoft.com/office/drawing/2010/main" xmlns="">
+              <a14:hiddenEffects xmlns="" xmlns:a14="http://schemas.microsoft.com/office/drawing/2010/main">
                 <a:effectLst>
                   <a:outerShdw blurRad="63500" dist="38099" dir="2700000" algn="ctr" rotWithShape="0">
                     <a:srgbClr val="000000">
@@ -810,7 +810,7 @@
               </a14:hiddenEffects>
             </a:ext>
             <a:ext uri="{53640926-AAD7-44d8-BBD7-CCE9431645EC}">
-              <a14:shadowObscured xmlns:a14="http://schemas.microsoft.com/office/drawing/2010/main" xmlns="" val="1"/>
+              <a14:shadowObscured xmlns="" xmlns:a14="http://schemas.microsoft.com/office/drawing/2010/main" val="1"/>
             </a:ext>
           </a:extLst>
         </p:spPr>
@@ -843,14 +843,14 @@
               <ma14:placeholderFlag xmlns:ma14="http://schemas.microsoft.com/office/mac/drawingml/2011/main" val="1"/>
             </a:ext>
             <a:ext uri="{909E8E84-426E-40dd-AFC4-6F175D3DCCD1}">
-              <a14:hiddenFill xmlns:a14="http://schemas.microsoft.com/office/drawing/2010/main" xmlns="">
+              <a14:hiddenFill xmlns="" xmlns:a14="http://schemas.microsoft.com/office/drawing/2010/main">
                 <a:solidFill>
                   <a:schemeClr val="accent1"/>
                 </a:solidFill>
               </a14:hiddenFill>
             </a:ext>
             <a:ext uri="{91240B29-F687-4f45-9708-019B960494DF}">
-              <a14:hiddenLine xmlns:a14="http://schemas.microsoft.com/office/drawing/2010/main" xmlns="" w="9525">
+              <a14:hiddenLine xmlns="" xmlns:a14="http://schemas.microsoft.com/office/drawing/2010/main" w="9525">
                 <a:solidFill>
                   <a:schemeClr val="tx1"/>
                 </a:solidFill>
@@ -860,7 +860,7 @@
               </a14:hiddenLine>
             </a:ext>
             <a:ext uri="{AF507438-7753-43e0-B8FC-AC1667EBCBE1}">
-              <a14:hiddenEffects xmlns:a14="http://schemas.microsoft.com/office/drawing/2010/main" xmlns="">
+              <a14:hiddenEffects xmlns="" xmlns:a14="http://schemas.microsoft.com/office/drawing/2010/main">
                 <a:effectLst>
                   <a:outerShdw blurRad="63500" dist="38099" dir="2700000" algn="ctr" rotWithShape="0">
                     <a:schemeClr val="bg2">
@@ -944,14 +944,14 @@
               <ma14:placeholderFlag xmlns:ma14="http://schemas.microsoft.com/office/mac/drawingml/2011/main" val="1"/>
             </a:ext>
             <a:ext uri="{909E8E84-426E-40dd-AFC4-6F175D3DCCD1}">
-              <a14:hiddenFill xmlns:a14="http://schemas.microsoft.com/office/drawing/2010/main" xmlns="">
+              <a14:hiddenFill xmlns="" xmlns:a14="http://schemas.microsoft.com/office/drawing/2010/main">
                 <a:solidFill>
                   <a:schemeClr val="accent1"/>
                 </a:solidFill>
               </a14:hiddenFill>
             </a:ext>
             <a:ext uri="{91240B29-F687-4f45-9708-019B960494DF}">
-              <a14:hiddenLine xmlns:a14="http://schemas.microsoft.com/office/drawing/2010/main" xmlns="" w="9525">
+              <a14:hiddenLine xmlns="" xmlns:a14="http://schemas.microsoft.com/office/drawing/2010/main" w="9525">
                 <a:solidFill>
                   <a:schemeClr val="tx1"/>
                 </a:solidFill>
@@ -961,7 +961,7 @@
               </a14:hiddenLine>
             </a:ext>
             <a:ext uri="{AF507438-7753-43e0-B8FC-AC1667EBCBE1}">
-              <a14:hiddenEffects xmlns:a14="http://schemas.microsoft.com/office/drawing/2010/main" xmlns="">
+              <a14:hiddenEffects xmlns="" xmlns:a14="http://schemas.microsoft.com/office/drawing/2010/main">
                 <a:effectLst>
                   <a:outerShdw blurRad="63500" dist="38099" dir="2700000" algn="ctr" rotWithShape="0">
                     <a:schemeClr val="bg2">
@@ -1027,14 +1027,14 @@
               <ma14:placeholderFlag xmlns:ma14="http://schemas.microsoft.com/office/mac/drawingml/2011/main" val="1"/>
             </a:ext>
             <a:ext uri="{909E8E84-426E-40dd-AFC4-6F175D3DCCD1}">
-              <a14:hiddenFill xmlns:a14="http://schemas.microsoft.com/office/drawing/2010/main" xmlns="">
+              <a14:hiddenFill xmlns="" xmlns:a14="http://schemas.microsoft.com/office/drawing/2010/main">
                 <a:solidFill>
                   <a:schemeClr val="accent1"/>
                 </a:solidFill>
               </a14:hiddenFill>
             </a:ext>
             <a:ext uri="{91240B29-F687-4f45-9708-019B960494DF}">
-              <a14:hiddenLine xmlns:a14="http://schemas.microsoft.com/office/drawing/2010/main" xmlns="" w="9525">
+              <a14:hiddenLine xmlns="" xmlns:a14="http://schemas.microsoft.com/office/drawing/2010/main" w="9525">
                 <a:solidFill>
                   <a:schemeClr val="tx1"/>
                 </a:solidFill>
@@ -1044,7 +1044,7 @@
               </a14:hiddenLine>
             </a:ext>
             <a:ext uri="{AF507438-7753-43e0-B8FC-AC1667EBCBE1}">
-              <a14:hiddenEffects xmlns:a14="http://schemas.microsoft.com/office/drawing/2010/main" xmlns="">
+              <a14:hiddenEffects xmlns="" xmlns:a14="http://schemas.microsoft.com/office/drawing/2010/main">
                 <a:effectLst>
                   <a:outerShdw blurRad="63500" dist="38099" dir="2700000" algn="ctr" rotWithShape="0">
                     <a:schemeClr val="bg2">
@@ -1365,12 +1365,12 @@
           <a:effectLst/>
           <a:extLst>
             <a:ext uri="{909E8E84-426E-40dd-AFC4-6F175D3DCCD1}">
-              <a14:hiddenFill xmlns:a14="http://schemas.microsoft.com/office/drawing/2010/main" xmlns="">
+              <a14:hiddenFill xmlns="" xmlns:a14="http://schemas.microsoft.com/office/drawing/2010/main">
                 <a:noFill/>
               </a14:hiddenFill>
             </a:ext>
             <a:ext uri="{AF507438-7753-43e0-B8FC-AC1667EBCBE1}">
-              <a14:hiddenEffects xmlns:a14="http://schemas.microsoft.com/office/drawing/2010/main" xmlns="">
+              <a14:hiddenEffects xmlns="" xmlns:a14="http://schemas.microsoft.com/office/drawing/2010/main">
                 <a:effectLst>
                   <a:outerShdw blurRad="63500" dist="38099" dir="2700000" algn="ctr" rotWithShape="0">
                     <a:schemeClr val="bg2">
@@ -1417,14 +1417,14 @@
           </a:ln>
           <a:extLst>
             <a:ext uri="{909E8E84-426E-40dd-AFC4-6F175D3DCCD1}">
-              <a14:hiddenFill xmlns:a14="http://schemas.microsoft.com/office/drawing/2010/main" xmlns="">
+              <a14:hiddenFill xmlns="" xmlns:a14="http://schemas.microsoft.com/office/drawing/2010/main">
                 <a:solidFill>
                   <a:srgbClr val="FFFFFF"/>
                 </a:solidFill>
               </a14:hiddenFill>
             </a:ext>
             <a:ext uri="{91240B29-F687-4f45-9708-019B960494DF}">
-              <a14:hiddenLine xmlns:a14="http://schemas.microsoft.com/office/drawing/2010/main" xmlns="" w="9525">
+              <a14:hiddenLine xmlns="" xmlns:a14="http://schemas.microsoft.com/office/drawing/2010/main" w="9525">
                 <a:solidFill>
                   <a:srgbClr val="000000"/>
                 </a:solidFill>
@@ -1495,14 +1495,14 @@
           </a:ln>
           <a:extLst>
             <a:ext uri="{909E8E84-426E-40dd-AFC4-6F175D3DCCD1}">
-              <a14:hiddenFill xmlns:a14="http://schemas.microsoft.com/office/drawing/2010/main" xmlns="">
+              <a14:hiddenFill xmlns="" xmlns:a14="http://schemas.microsoft.com/office/drawing/2010/main">
                 <a:solidFill>
                   <a:srgbClr val="FFFFFF"/>
                 </a:solidFill>
               </a14:hiddenFill>
             </a:ext>
             <a:ext uri="{91240B29-F687-4f45-9708-019B960494DF}">
-              <a14:hiddenLine xmlns:a14="http://schemas.microsoft.com/office/drawing/2010/main" xmlns="" w="9525">
+              <a14:hiddenLine xmlns="" xmlns:a14="http://schemas.microsoft.com/office/drawing/2010/main" w="9525">
                 <a:solidFill>
                   <a:srgbClr val="000000"/>
                 </a:solidFill>
@@ -1537,14 +1537,14 @@
           <a:effectLst/>
           <a:extLst>
             <a:ext uri="{909E8E84-426E-40dd-AFC4-6F175D3DCCD1}">
-              <a14:hiddenFill xmlns:a14="http://schemas.microsoft.com/office/drawing/2010/main" xmlns="">
+              <a14:hiddenFill xmlns="" xmlns:a14="http://schemas.microsoft.com/office/drawing/2010/main">
                 <a:solidFill>
                   <a:schemeClr val="accent1"/>
                 </a:solidFill>
               </a14:hiddenFill>
             </a:ext>
             <a:ext uri="{91240B29-F687-4f45-9708-019B960494DF}">
-              <a14:hiddenLine xmlns:a14="http://schemas.microsoft.com/office/drawing/2010/main" xmlns="" w="9525">
+              <a14:hiddenLine xmlns="" xmlns:a14="http://schemas.microsoft.com/office/drawing/2010/main" w="9525">
                 <a:solidFill>
                   <a:schemeClr val="tx1"/>
                 </a:solidFill>
@@ -1554,7 +1554,7 @@
               </a14:hiddenLine>
             </a:ext>
             <a:ext uri="{AF507438-7753-43e0-B8FC-AC1667EBCBE1}">
-              <a14:hiddenEffects xmlns:a14="http://schemas.microsoft.com/office/drawing/2010/main" xmlns="">
+              <a14:hiddenEffects xmlns="" xmlns:a14="http://schemas.microsoft.com/office/drawing/2010/main">
                 <a:effectLst>
                   <a:outerShdw blurRad="63500" dist="38099" dir="2700000" algn="ctr" rotWithShape="0">
                     <a:schemeClr val="bg2">
@@ -1882,7 +1882,7 @@
               <a:pPr>
                 <a:defRPr/>
               </a:pPr>
-              <a:t>12 September 2016</a:t>
+              <a:t>19 September 2016</a:t>
             </a:fld>
             <a:endParaRPr lang="en-US"/>
           </a:p>
@@ -2096,7 +2096,7 @@
               <a:pPr>
                 <a:defRPr/>
               </a:pPr>
-              <a:t>12 September 2016</a:t>
+              <a:t>19 September 2016</a:t>
             </a:fld>
             <a:endParaRPr lang="en-US"/>
           </a:p>
@@ -2300,7 +2300,7 @@
               <a:pPr>
                 <a:defRPr/>
               </a:pPr>
-              <a:t>12 September 2016</a:t>
+              <a:t>19 September 2016</a:t>
             </a:fld>
             <a:endParaRPr lang="en-US"/>
           </a:p>
@@ -2527,7 +2527,7 @@
               <a:pPr>
                 <a:defRPr/>
               </a:pPr>
-              <a:t>12 September 2016</a:t>
+              <a:t>19 September 2016</a:t>
             </a:fld>
             <a:endParaRPr lang="en-US"/>
           </a:p>
@@ -2848,7 +2848,7 @@
               <a:pPr>
                 <a:defRPr/>
               </a:pPr>
-              <a:t>12 September 2016</a:t>
+              <a:t>19 September 2016</a:t>
             </a:fld>
             <a:endParaRPr lang="en-US"/>
           </a:p>
@@ -3308,7 +3308,7 @@
               <a:pPr>
                 <a:defRPr/>
               </a:pPr>
-              <a:t>12 September 2016</a:t>
+              <a:t>19 September 2016</a:t>
             </a:fld>
             <a:endParaRPr lang="en-US"/>
           </a:p>
@@ -3461,7 +3461,7 @@
               <a:pPr>
                 <a:defRPr/>
               </a:pPr>
-              <a:t>12 September 2016</a:t>
+              <a:t>19 September 2016</a:t>
             </a:fld>
             <a:endParaRPr lang="en-US"/>
           </a:p>
@@ -3592,7 +3592,7 @@
               <a:pPr>
                 <a:defRPr/>
               </a:pPr>
-              <a:t>12 September 2016</a:t>
+              <a:t>19 September 2016</a:t>
             </a:fld>
             <a:endParaRPr lang="en-US"/>
           </a:p>
@@ -3903,7 +3903,7 @@
               <a:pPr>
                 <a:defRPr/>
               </a:pPr>
-              <a:t>12 September 2016</a:t>
+              <a:t>19 September 2016</a:t>
             </a:fld>
             <a:endParaRPr lang="en-US"/>
           </a:p>
@@ -4192,7 +4192,7 @@
               <a:pPr>
                 <a:defRPr/>
               </a:pPr>
-              <a:t>12 September 2016</a:t>
+              <a:t>19 September 2016</a:t>
             </a:fld>
             <a:endParaRPr lang="en-US"/>
           </a:p>
@@ -4264,14 +4264,14 @@
               <ma14:placeholderFlag xmlns:ma14="http://schemas.microsoft.com/office/mac/drawingml/2011/main" val="1"/>
             </a:ext>
             <a:ext uri="{909E8E84-426E-40dd-AFC4-6F175D3DCCD1}">
-              <a14:hiddenFill xmlns:a14="http://schemas.microsoft.com/office/drawing/2010/main" xmlns="">
+              <a14:hiddenFill xmlns="" xmlns:a14="http://schemas.microsoft.com/office/drawing/2010/main">
                 <a:solidFill>
                   <a:schemeClr val="accent1"/>
                 </a:solidFill>
               </a14:hiddenFill>
             </a:ext>
             <a:ext uri="{91240B29-F687-4f45-9708-019B960494DF}">
-              <a14:hiddenLine xmlns:a14="http://schemas.microsoft.com/office/drawing/2010/main" xmlns="" w="9525">
+              <a14:hiddenLine xmlns="" xmlns:a14="http://schemas.microsoft.com/office/drawing/2010/main" w="9525">
                 <a:solidFill>
                   <a:schemeClr val="tx1"/>
                 </a:solidFill>
@@ -4281,7 +4281,7 @@
               </a14:hiddenLine>
             </a:ext>
             <a:ext uri="{AF507438-7753-43e0-B8FC-AC1667EBCBE1}">
-              <a14:hiddenEffects xmlns:a14="http://schemas.microsoft.com/office/drawing/2010/main" xmlns="">
+              <a14:hiddenEffects xmlns="" xmlns:a14="http://schemas.microsoft.com/office/drawing/2010/main">
                 <a:effectLst>
                   <a:outerShdw blurRad="63500" dist="38099" dir="2700000" algn="ctr" rotWithShape="0">
                     <a:schemeClr val="bg2">
@@ -4351,12 +4351,12 @@
           <a:effectLst/>
           <a:extLst>
             <a:ext uri="{909E8E84-426E-40dd-AFC4-6F175D3DCCD1}">
-              <a14:hiddenFill xmlns:a14="http://schemas.microsoft.com/office/drawing/2010/main" xmlns="">
+              <a14:hiddenFill xmlns="" xmlns:a14="http://schemas.microsoft.com/office/drawing/2010/main">
                 <a:noFill/>
               </a14:hiddenFill>
             </a:ext>
             <a:ext uri="{AF507438-7753-43e0-B8FC-AC1667EBCBE1}">
-              <a14:hiddenEffects xmlns:a14="http://schemas.microsoft.com/office/drawing/2010/main" xmlns="">
+              <a14:hiddenEffects xmlns="" xmlns:a14="http://schemas.microsoft.com/office/drawing/2010/main">
                 <a:effectLst>
                   <a:outerShdw blurRad="63500" dist="38099" dir="2700000" algn="ctr" rotWithShape="0">
                     <a:schemeClr val="bg2">
@@ -4403,14 +4403,14 @@
           </a:ln>
           <a:extLst>
             <a:ext uri="{909E8E84-426E-40dd-AFC4-6F175D3DCCD1}">
-              <a14:hiddenFill xmlns:a14="http://schemas.microsoft.com/office/drawing/2010/main" xmlns="">
+              <a14:hiddenFill xmlns="" xmlns:a14="http://schemas.microsoft.com/office/drawing/2010/main">
                 <a:solidFill>
                   <a:srgbClr val="FFFFFF"/>
                 </a:solidFill>
               </a14:hiddenFill>
             </a:ext>
             <a:ext uri="{91240B29-F687-4f45-9708-019B960494DF}">
-              <a14:hiddenLine xmlns:a14="http://schemas.microsoft.com/office/drawing/2010/main" xmlns="" w="9525">
+              <a14:hiddenLine xmlns="" xmlns:a14="http://schemas.microsoft.com/office/drawing/2010/main" w="9525">
                 <a:solidFill>
                   <a:srgbClr val="000000"/>
                 </a:solidFill>
@@ -4474,14 +4474,14 @@
               <ma14:placeholderFlag xmlns:ma14="http://schemas.microsoft.com/office/mac/drawingml/2011/main" val="1"/>
             </a:ext>
             <a:ext uri="{909E8E84-426E-40dd-AFC4-6F175D3DCCD1}">
-              <a14:hiddenFill xmlns:a14="http://schemas.microsoft.com/office/drawing/2010/main" xmlns="">
+              <a14:hiddenFill xmlns="" xmlns:a14="http://schemas.microsoft.com/office/drawing/2010/main">
                 <a:solidFill>
                   <a:schemeClr val="accent1"/>
                 </a:solidFill>
               </a14:hiddenFill>
             </a:ext>
             <a:ext uri="{91240B29-F687-4f45-9708-019B960494DF}">
-              <a14:hiddenLine xmlns:a14="http://schemas.microsoft.com/office/drawing/2010/main" xmlns="" w="9525">
+              <a14:hiddenLine xmlns="" xmlns:a14="http://schemas.microsoft.com/office/drawing/2010/main" w="9525">
                 <a:solidFill>
                   <a:schemeClr val="tx1"/>
                 </a:solidFill>
@@ -4491,7 +4491,7 @@
               </a14:hiddenLine>
             </a:ext>
             <a:ext uri="{AF507438-7753-43e0-B8FC-AC1667EBCBE1}">
-              <a14:hiddenEffects xmlns:a14="http://schemas.microsoft.com/office/drawing/2010/main" xmlns="">
+              <a14:hiddenEffects xmlns="" xmlns:a14="http://schemas.microsoft.com/office/drawing/2010/main">
                 <a:effectLst>
                   <a:outerShdw blurRad="63500" dist="38099" dir="2700000" algn="ctr" rotWithShape="0">
                     <a:schemeClr val="bg2">
@@ -4565,14 +4565,14 @@
               <ma14:placeholderFlag xmlns:ma14="http://schemas.microsoft.com/office/mac/drawingml/2011/main" val="1"/>
             </a:ext>
             <a:ext uri="{909E8E84-426E-40dd-AFC4-6F175D3DCCD1}">
-              <a14:hiddenFill xmlns:a14="http://schemas.microsoft.com/office/drawing/2010/main" xmlns="">
+              <a14:hiddenFill xmlns="" xmlns:a14="http://schemas.microsoft.com/office/drawing/2010/main">
                 <a:solidFill>
                   <a:schemeClr val="accent1"/>
                 </a:solidFill>
               </a14:hiddenFill>
             </a:ext>
             <a:ext uri="{91240B29-F687-4f45-9708-019B960494DF}">
-              <a14:hiddenLine xmlns:a14="http://schemas.microsoft.com/office/drawing/2010/main" xmlns="" w="9525">
+              <a14:hiddenLine xmlns="" xmlns:a14="http://schemas.microsoft.com/office/drawing/2010/main" w="9525">
                 <a:solidFill>
                   <a:schemeClr val="tx1"/>
                 </a:solidFill>
@@ -4582,7 +4582,7 @@
               </a14:hiddenLine>
             </a:ext>
             <a:ext uri="{AF507438-7753-43e0-B8FC-AC1667EBCBE1}">
-              <a14:hiddenEffects xmlns:a14="http://schemas.microsoft.com/office/drawing/2010/main" xmlns="">
+              <a14:hiddenEffects xmlns="" xmlns:a14="http://schemas.microsoft.com/office/drawing/2010/main">
                 <a:effectLst>
                   <a:outerShdw blurRad="63500" dist="38099" dir="2700000" algn="ctr" rotWithShape="0">
                     <a:schemeClr val="bg2">
@@ -4652,14 +4652,14 @@
               <ma14:placeholderFlag xmlns:ma14="http://schemas.microsoft.com/office/mac/drawingml/2011/main" val="1"/>
             </a:ext>
             <a:ext uri="{909E8E84-426E-40dd-AFC4-6F175D3DCCD1}">
-              <a14:hiddenFill xmlns:a14="http://schemas.microsoft.com/office/drawing/2010/main" xmlns="">
+              <a14:hiddenFill xmlns="" xmlns:a14="http://schemas.microsoft.com/office/drawing/2010/main">
                 <a:solidFill>
                   <a:schemeClr val="accent1"/>
                 </a:solidFill>
               </a14:hiddenFill>
             </a:ext>
             <a:ext uri="{91240B29-F687-4f45-9708-019B960494DF}">
-              <a14:hiddenLine xmlns:a14="http://schemas.microsoft.com/office/drawing/2010/main" xmlns="" w="9525">
+              <a14:hiddenLine xmlns="" xmlns:a14="http://schemas.microsoft.com/office/drawing/2010/main" w="9525">
                 <a:solidFill>
                   <a:schemeClr val="tx1"/>
                 </a:solidFill>
@@ -4669,7 +4669,7 @@
               </a14:hiddenLine>
             </a:ext>
             <a:ext uri="{AF507438-7753-43e0-B8FC-AC1667EBCBE1}">
-              <a14:hiddenEffects xmlns:a14="http://schemas.microsoft.com/office/drawing/2010/main" xmlns="">
+              <a14:hiddenEffects xmlns="" xmlns:a14="http://schemas.microsoft.com/office/drawing/2010/main">
                 <a:effectLst>
                   <a:outerShdw blurRad="63500" dist="38099" dir="2700000" algn="ctr" rotWithShape="0">
                     <a:schemeClr val="bg2">
@@ -4709,7 +4709,7 @@
               <a:pPr>
                 <a:defRPr/>
               </a:pPr>
-              <a:t>12 September 2016</a:t>
+              <a:t>19 September 2016</a:t>
             </a:fld>
             <a:endParaRPr lang="en-US"/>
           </a:p>
@@ -4743,14 +4743,14 @@
               <ma14:placeholderFlag xmlns:ma14="http://schemas.microsoft.com/office/mac/drawingml/2011/main" val="1"/>
             </a:ext>
             <a:ext uri="{909E8E84-426E-40dd-AFC4-6F175D3DCCD1}">
-              <a14:hiddenFill xmlns:a14="http://schemas.microsoft.com/office/drawing/2010/main" xmlns="">
+              <a14:hiddenFill xmlns="" xmlns:a14="http://schemas.microsoft.com/office/drawing/2010/main">
                 <a:solidFill>
                   <a:schemeClr val="accent1"/>
                 </a:solidFill>
               </a14:hiddenFill>
             </a:ext>
             <a:ext uri="{91240B29-F687-4f45-9708-019B960494DF}">
-              <a14:hiddenLine xmlns:a14="http://schemas.microsoft.com/office/drawing/2010/main" xmlns="" w="9525">
+              <a14:hiddenLine xmlns="" xmlns:a14="http://schemas.microsoft.com/office/drawing/2010/main" w="9525">
                 <a:solidFill>
                   <a:schemeClr val="tx1"/>
                 </a:solidFill>
@@ -4760,7 +4760,7 @@
               </a14:hiddenLine>
             </a:ext>
             <a:ext uri="{AF507438-7753-43e0-B8FC-AC1667EBCBE1}">
-              <a14:hiddenEffects xmlns:a14="http://schemas.microsoft.com/office/drawing/2010/main" xmlns="">
+              <a14:hiddenEffects xmlns="" xmlns:a14="http://schemas.microsoft.com/office/drawing/2010/main">
                 <a:effectLst>
                   <a:outerShdw blurRad="63500" dist="38099" dir="2700000" algn="ctr" rotWithShape="0">
                     <a:schemeClr val="bg2">
@@ -4823,14 +4823,14 @@
           </a:ln>
           <a:extLst>
             <a:ext uri="{909E8E84-426E-40dd-AFC4-6F175D3DCCD1}">
-              <a14:hiddenFill xmlns:a14="http://schemas.microsoft.com/office/drawing/2010/main" xmlns="">
+              <a14:hiddenFill xmlns="" xmlns:a14="http://schemas.microsoft.com/office/drawing/2010/main">
                 <a:solidFill>
                   <a:srgbClr val="FFFFFF"/>
                 </a:solidFill>
               </a14:hiddenFill>
             </a:ext>
             <a:ext uri="{91240B29-F687-4f45-9708-019B960494DF}">
-              <a14:hiddenLine xmlns:a14="http://schemas.microsoft.com/office/drawing/2010/main" xmlns="" w="9525">
+              <a14:hiddenLine xmlns="" xmlns:a14="http://schemas.microsoft.com/office/drawing/2010/main" w="9525">
                 <a:solidFill>
                   <a:srgbClr val="000000"/>
                 </a:solidFill>
@@ -5348,7 +5348,7 @@
                 <a:gridCol w="4267200">
                   <a:extLst>
                     <a:ext uri="{9D8B030D-6E8A-4147-A177-3AD203B41FA5}">
-                      <a16:colId xmlns="" xmlns:a16="http://schemas.microsoft.com/office/drawing/2014/main" val="20000"/>
+                      <a16:colId xmlns:a16="http://schemas.microsoft.com/office/drawing/2014/main" xmlns="" val="20000"/>
                     </a:ext>
                   </a:extLst>
                 </a:gridCol>
@@ -5381,7 +5381,7 @@
                 </a:tc>
                 <a:extLst>
                   <a:ext uri="{0D108BD9-81ED-4DB2-BD59-A6C34878D82A}">
-                    <a16:rowId xmlns="" xmlns:a16="http://schemas.microsoft.com/office/drawing/2014/main" val="10000"/>
+                    <a16:rowId xmlns:a16="http://schemas.microsoft.com/office/drawing/2014/main" xmlns="" val="10000"/>
                   </a:ext>
                 </a:extLst>
               </a:tr>
@@ -5417,7 +5417,7 @@
                 <a:gridCol w="4267200">
                   <a:extLst>
                     <a:ext uri="{9D8B030D-6E8A-4147-A177-3AD203B41FA5}">
-                      <a16:colId xmlns="" xmlns:a16="http://schemas.microsoft.com/office/drawing/2014/main" val="20000"/>
+                      <a16:colId xmlns:a16="http://schemas.microsoft.com/office/drawing/2014/main" xmlns="" val="20000"/>
                     </a:ext>
                   </a:extLst>
                 </a:gridCol>
@@ -5456,7 +5456,7 @@
                 </a:tc>
                 <a:extLst>
                   <a:ext uri="{0D108BD9-81ED-4DB2-BD59-A6C34878D82A}">
-                    <a16:rowId xmlns="" xmlns:a16="http://schemas.microsoft.com/office/drawing/2014/main" val="10000"/>
+                    <a16:rowId xmlns:a16="http://schemas.microsoft.com/office/drawing/2014/main" xmlns="" val="10000"/>
                   </a:ext>
                 </a:extLst>
               </a:tr>
@@ -5486,14 +5486,14 @@
           </a:ln>
           <a:extLst>
             <a:ext uri="{909E8E84-426E-40dd-AFC4-6F175D3DCCD1}">
-              <a14:hiddenFill xmlns="" xmlns:a14="http://schemas.microsoft.com/office/drawing/2010/main">
+              <a14:hiddenFill xmlns:a14="http://schemas.microsoft.com/office/drawing/2010/main" xmlns="">
                 <a:solidFill>
                   <a:srgbClr val="FFFFFF"/>
                 </a:solidFill>
               </a14:hiddenFill>
             </a:ext>
             <a:ext uri="{91240B29-F687-4f45-9708-019B960494DF}">
-              <a14:hiddenLine xmlns="" xmlns:a14="http://schemas.microsoft.com/office/drawing/2010/main" w="9525">
+              <a14:hiddenLine xmlns:a14="http://schemas.microsoft.com/office/drawing/2010/main" xmlns="" w="9525">
                 <a:solidFill>
                   <a:srgbClr val="000000"/>
                 </a:solidFill>
@@ -5532,15 +5532,7 @@
                   <a:srgbClr val="0070C0"/>
                 </a:solidFill>
               </a:rPr>
-              <a:t>Retail and </a:t>
-            </a:r>
-            <a:r>
-              <a:rPr lang="en-US" altLang="en-US" sz="2000" dirty="0">
-                <a:solidFill>
-                  <a:srgbClr val="0070C0"/>
-                </a:solidFill>
-              </a:rPr>
-              <a:t>Weather</a:t>
+              <a:t>General Purpose Data Science</a:t>
             </a:r>
             <a:endParaRPr lang="en-US" altLang="en-US" sz="1600" i="1" dirty="0">
               <a:solidFill>
@@ -5576,7 +5568,7 @@
                 <a:gridCol w="4191000">
                   <a:extLst>
                     <a:ext uri="{9D8B030D-6E8A-4147-A177-3AD203B41FA5}">
-                      <a16:colId xmlns="" xmlns:a16="http://schemas.microsoft.com/office/drawing/2014/main" val="20000"/>
+                      <a16:colId xmlns:a16="http://schemas.microsoft.com/office/drawing/2014/main" xmlns="" val="20000"/>
                     </a:ext>
                   </a:extLst>
                 </a:gridCol>
@@ -5682,7 +5674,7 @@
                 </a:tc>
                 <a:extLst>
                   <a:ext uri="{0D108BD9-81ED-4DB2-BD59-A6C34878D82A}">
-                    <a16:rowId xmlns="" xmlns:a16="http://schemas.microsoft.com/office/drawing/2014/main" val="10000"/>
+                    <a16:rowId xmlns:a16="http://schemas.microsoft.com/office/drawing/2014/main" xmlns="" val="10000"/>
                   </a:ext>
                 </a:extLst>
               </a:tr>
@@ -5724,18 +5716,6 @@
                         </a:rPr>
                         <a:t>Demonstrates the idea of creating an online service based on data science modeling</a:t>
                       </a:r>
-                      <a:endParaRPr kumimoji="0" lang="en-US" sz="1200" b="0" i="0" u="none" strike="noStrike" kern="1200" cap="none" normalizeH="0" baseline="0" dirty="0" smtClean="0">
-                        <a:ln>
-                          <a:noFill/>
-                        </a:ln>
-                        <a:solidFill>
-                          <a:srgbClr val="000000"/>
-                        </a:solidFill>
-                        <a:effectLst/>
-                        <a:latin typeface="Arial" charset="0"/>
-                        <a:ea typeface="SimSun" pitchFamily="2" charset="-122"/>
-                        <a:cs typeface="SimSun" pitchFamily="2" charset="-122"/>
-                      </a:endParaRPr>
                     </a:p>
                   </a:txBody>
                   <a:tcPr marT="45711" marB="45711" horzOverflow="overflow">
@@ -5788,7 +5768,7 @@
                 </a:tc>
                 <a:extLst>
                   <a:ext uri="{0D108BD9-81ED-4DB2-BD59-A6C34878D82A}">
-                    <a16:rowId xmlns="" xmlns:a16="http://schemas.microsoft.com/office/drawing/2014/main" val="10001"/>
+                    <a16:rowId xmlns:a16="http://schemas.microsoft.com/office/drawing/2014/main" xmlns="" val="10001"/>
                   </a:ext>
                 </a:extLst>
               </a:tr>
@@ -5829,18 +5809,6 @@
                         </a:rPr>
                         <a:t>Predict the probability of an NBA game outcome while the game is running</a:t>
                       </a:r>
-                      <a:endParaRPr kumimoji="0" lang="en-US" sz="1200" b="0" i="0" u="none" strike="noStrike" kern="1200" cap="none" normalizeH="0" baseline="0" dirty="0" smtClean="0">
-                        <a:ln>
-                          <a:noFill/>
-                        </a:ln>
-                        <a:solidFill>
-                          <a:srgbClr val="000000"/>
-                        </a:solidFill>
-                        <a:effectLst/>
-                        <a:latin typeface="Arial" charset="0"/>
-                        <a:ea typeface="SimSun" pitchFamily="2" charset="-122"/>
-                        <a:cs typeface="SimSun" pitchFamily="2" charset="-122"/>
-                      </a:endParaRPr>
                     </a:p>
                   </a:txBody>
                   <a:tcPr marT="45711" marB="45711" horzOverflow="overflow">
@@ -5922,7 +5890,7 @@
                 <a:gridCol w="4224998">
                   <a:extLst>
                     <a:ext uri="{9D8B030D-6E8A-4147-A177-3AD203B41FA5}">
-                      <a16:colId xmlns="" xmlns:a16="http://schemas.microsoft.com/office/drawing/2014/main" val="20000"/>
+                      <a16:colId xmlns:a16="http://schemas.microsoft.com/office/drawing/2014/main" xmlns="" val="20000"/>
                     </a:ext>
                   </a:extLst>
                 </a:gridCol>
@@ -6028,7 +5996,7 @@
                 </a:tc>
                 <a:extLst>
                   <a:ext uri="{0D108BD9-81ED-4DB2-BD59-A6C34878D82A}">
-                    <a16:rowId xmlns="" xmlns:a16="http://schemas.microsoft.com/office/drawing/2014/main" val="10000"/>
+                    <a16:rowId xmlns:a16="http://schemas.microsoft.com/office/drawing/2014/main" xmlns="" val="10000"/>
                   </a:ext>
                 </a:extLst>
               </a:tr>
@@ -6137,7 +6105,7 @@
                 </a:tc>
                 <a:extLst>
                   <a:ext uri="{0D108BD9-81ED-4DB2-BD59-A6C34878D82A}">
-                    <a16:rowId xmlns="" xmlns:a16="http://schemas.microsoft.com/office/drawing/2014/main" val="10001"/>
+                    <a16:rowId xmlns:a16="http://schemas.microsoft.com/office/drawing/2014/main" xmlns="" val="10001"/>
                   </a:ext>
                 </a:extLst>
               </a:tr>
@@ -6154,7 +6122,7 @@
           <p:nvPr>
             <p:extLst>
               <p:ext uri="{D42A27DB-BD31-4B8C-83A1-F6EECF244321}">
-                <p14:modId xmlns:p14="http://schemas.microsoft.com/office/powerpoint/2010/main" val="1953225918"/>
+                <p14:modId xmlns:p14="http://schemas.microsoft.com/office/powerpoint/2010/main" val="48844089"/>
               </p:ext>
             </p:extLst>
           </p:nvPr>
@@ -6171,7 +6139,7 @@
                 <a:gridCol w="4191000">
                   <a:extLst>
                     <a:ext uri="{9D8B030D-6E8A-4147-A177-3AD203B41FA5}">
-                      <a16:colId xmlns="" xmlns:a16="http://schemas.microsoft.com/office/drawing/2014/main" val="20000"/>
+                      <a16:colId xmlns:a16="http://schemas.microsoft.com/office/drawing/2014/main" xmlns="" val="20000"/>
                     </a:ext>
                   </a:extLst>
                 </a:gridCol>
@@ -6277,7 +6245,7 @@
                 </a:tc>
                 <a:extLst>
                   <a:ext uri="{0D108BD9-81ED-4DB2-BD59-A6C34878D82A}">
-                    <a16:rowId xmlns="" xmlns:a16="http://schemas.microsoft.com/office/drawing/2014/main" val="10000"/>
+                    <a16:rowId xmlns:a16="http://schemas.microsoft.com/office/drawing/2014/main" xmlns="" val="10000"/>
                   </a:ext>
                 </a:extLst>
               </a:tr>
@@ -6424,7 +6392,22 @@
                           <a:ea typeface="SimSun" pitchFamily="2" charset="-122"/>
                           <a:cs typeface="SimSun" pitchFamily="2" charset="-122"/>
                         </a:rPr>
-                        <a:t>DSX / Scala / R / object storage</a:t>
+                        <a:t>DSX / Scala / </a:t>
+                      </a:r>
+                      <a:r>
+                        <a:rPr kumimoji="0" lang="en-US" sz="1100" b="0" i="0" u="none" strike="noStrike" cap="none" normalizeH="0" baseline="0" dirty="0" smtClean="0">
+                          <a:ln>
+                            <a:noFill/>
+                          </a:ln>
+                          <a:solidFill>
+                            <a:schemeClr val="tx1"/>
+                          </a:solidFill>
+                          <a:effectLst/>
+                          <a:latin typeface="Arial" charset="0"/>
+                          <a:ea typeface="SimSun" pitchFamily="2" charset="-122"/>
+                          <a:cs typeface="SimSun" pitchFamily="2" charset="-122"/>
+                        </a:rPr>
+                        <a:t>R</a:t>
                       </a:r>
                       <a:endParaRPr kumimoji="0" lang="en-US" sz="1100" b="0" i="0" u="none" strike="noStrike" cap="none" normalizeH="0" baseline="0" dirty="0">
                         <a:ln>
@@ -6576,7 +6559,7 @@
                 </a:tc>
                 <a:extLst>
                   <a:ext uri="{0D108BD9-81ED-4DB2-BD59-A6C34878D82A}">
-                    <a16:rowId xmlns="" xmlns:a16="http://schemas.microsoft.com/office/drawing/2014/main" val="10001"/>
+                    <a16:rowId xmlns:a16="http://schemas.microsoft.com/office/drawing/2014/main" xmlns="" val="10001"/>
                   </a:ext>
                 </a:extLst>
               </a:tr>
@@ -6693,7 +6676,7 @@
                 </a:tc>
                 <a:extLst>
                   <a:ext uri="{0D108BD9-81ED-4DB2-BD59-A6C34878D82A}">
-                    <a16:rowId xmlns="" xmlns:a16="http://schemas.microsoft.com/office/drawing/2014/main" val="10002"/>
+                    <a16:rowId xmlns:a16="http://schemas.microsoft.com/office/drawing/2014/main" xmlns="" val="10002"/>
                   </a:ext>
                 </a:extLst>
               </a:tr>
@@ -6804,7 +6787,7 @@
                 </a:tc>
                 <a:extLst>
                   <a:ext uri="{0D108BD9-81ED-4DB2-BD59-A6C34878D82A}">
-                    <a16:rowId xmlns="" xmlns:a16="http://schemas.microsoft.com/office/drawing/2014/main" val="10003"/>
+                    <a16:rowId xmlns:a16="http://schemas.microsoft.com/office/drawing/2014/main" xmlns="" val="10003"/>
                   </a:ext>
                 </a:extLst>
               </a:tr>
@@ -6915,7 +6898,7 @@
                 </a:tc>
                 <a:extLst>
                   <a:ext uri="{0D108BD9-81ED-4DB2-BD59-A6C34878D82A}">
-                    <a16:rowId xmlns="" xmlns:a16="http://schemas.microsoft.com/office/drawing/2014/main" val="10004"/>
+                    <a16:rowId xmlns:a16="http://schemas.microsoft.com/office/drawing/2014/main" xmlns="" val="10004"/>
                   </a:ext>
                 </a:extLst>
               </a:tr>
@@ -7026,7 +7009,7 @@
                 </a:tc>
                 <a:extLst>
                   <a:ext uri="{0D108BD9-81ED-4DB2-BD59-A6C34878D82A}">
-                    <a16:rowId xmlns="" xmlns:a16="http://schemas.microsoft.com/office/drawing/2014/main" val="10005"/>
+                    <a16:rowId xmlns:a16="http://schemas.microsoft.com/office/drawing/2014/main" xmlns="" val="10005"/>
                   </a:ext>
                 </a:extLst>
               </a:tr>
@@ -7145,7 +7128,7 @@
                 </a:tc>
                 <a:extLst>
                   <a:ext uri="{0D108BD9-81ED-4DB2-BD59-A6C34878D82A}">
-                    <a16:rowId xmlns="" xmlns:a16="http://schemas.microsoft.com/office/drawing/2014/main" val="10006"/>
+                    <a16:rowId xmlns:a16="http://schemas.microsoft.com/office/drawing/2014/main" xmlns="" val="10006"/>
                   </a:ext>
                 </a:extLst>
               </a:tr>
@@ -7162,7 +7145,7 @@
           <p:nvPr>
             <p:extLst>
               <p:ext uri="{D42A27DB-BD31-4B8C-83A1-F6EECF244321}">
-                <p14:modId xmlns:p14="http://schemas.microsoft.com/office/powerpoint/2010/main" val="1036081964"/>
+                <p14:modId xmlns:p14="http://schemas.microsoft.com/office/powerpoint/2010/main" val="953809364"/>
               </p:ext>
             </p:extLst>
           </p:nvPr>
@@ -7181,7 +7164,7 @@
                 <a:gridCol w="8839200">
                   <a:extLst>
                     <a:ext uri="{9D8B030D-6E8A-4147-A177-3AD203B41FA5}">
-                      <a16:colId xmlns="" xmlns:a16="http://schemas.microsoft.com/office/drawing/2014/main" val="20000"/>
+                      <a16:colId xmlns:a16="http://schemas.microsoft.com/office/drawing/2014/main" xmlns="" val="20000"/>
                     </a:ext>
                   </a:extLst>
                 </a:gridCol>
@@ -7247,7 +7230,15 @@
                             <a:schemeClr val="tx1"/>
                           </a:solidFill>
                         </a:rPr>
-                        <a:t> data science analysis to predict NBA basketball game outcomes as the game is running</a:t>
+                        <a:t> data science analysis to </a:t>
+                      </a:r>
+                      <a:r>
+                        <a:rPr lang="en-US" sz="1600" baseline="0" dirty="0" smtClean="0">
+                          <a:solidFill>
+                            <a:schemeClr val="tx1"/>
+                          </a:solidFill>
+                        </a:rPr>
+                        <a:t>make probabilistic NBA in game predictions</a:t>
                       </a:r>
                       <a:endParaRPr lang="en-US" i="0" dirty="0">
                         <a:solidFill>
@@ -7262,7 +7253,7 @@
                 </a:tc>
                 <a:extLst>
                   <a:ext uri="{0D108BD9-81ED-4DB2-BD59-A6C34878D82A}">
-                    <a16:rowId xmlns="" xmlns:a16="http://schemas.microsoft.com/office/drawing/2014/main" val="10000"/>
+                    <a16:rowId xmlns:a16="http://schemas.microsoft.com/office/drawing/2014/main" xmlns="" val="10000"/>
                   </a:ext>
                 </a:extLst>
               </a:tr>
@@ -7279,7 +7270,7 @@
           <p:nvPr>
             <p:extLst>
               <p:ext uri="{D42A27DB-BD31-4B8C-83A1-F6EECF244321}">
-                <p14:modId xmlns:p14="http://schemas.microsoft.com/office/powerpoint/2010/main" val="1644635606"/>
+                <p14:modId xmlns:p14="http://schemas.microsoft.com/office/powerpoint/2010/main" val="519684354"/>
               </p:ext>
             </p:extLst>
           </p:nvPr>
@@ -7296,7 +7287,7 @@
                 <a:gridCol w="4191000">
                   <a:extLst>
                     <a:ext uri="{9D8B030D-6E8A-4147-A177-3AD203B41FA5}">
-                      <a16:colId xmlns="" xmlns:a16="http://schemas.microsoft.com/office/drawing/2014/main" val="20000"/>
+                      <a16:colId xmlns:a16="http://schemas.microsoft.com/office/drawing/2014/main" xmlns="" val="20000"/>
                     </a:ext>
                   </a:extLst>
                 </a:gridCol>
@@ -7402,7 +7393,7 @@
                 </a:tc>
                 <a:extLst>
                   <a:ext uri="{0D108BD9-81ED-4DB2-BD59-A6C34878D82A}">
-                    <a16:rowId xmlns="" xmlns:a16="http://schemas.microsoft.com/office/drawing/2014/main" val="10000"/>
+                    <a16:rowId xmlns:a16="http://schemas.microsoft.com/office/drawing/2014/main" xmlns="" val="10000"/>
                   </a:ext>
                 </a:extLst>
               </a:tr>
@@ -7441,10 +7432,10 @@
                           <a:ea typeface="SimSun" pitchFamily="2" charset="-122"/>
                           <a:cs typeface="SimSun" pitchFamily="2" charset="-122"/>
                         </a:rPr>
-                        <a:t>The audience will come away with the concept of enabling web services based on data science, much in the way we do our </a:t>
+                        <a:t>The audience will come away with the concept of enabling web services based on data science, much in the way </a:t>
                       </a:r>
                       <a:r>
-                        <a:rPr kumimoji="0" lang="en-US" sz="1200" b="0" i="0" u="none" strike="noStrike" cap="none" normalizeH="0" baseline="0" dirty="0" err="1" smtClean="0">
+                        <a:rPr kumimoji="0" lang="en-US" sz="1200" b="0" i="0" u="none" strike="noStrike" cap="none" normalizeH="0" baseline="0" dirty="0" smtClean="0">
                           <a:ln>
                             <a:noFill/>
                           </a:ln>
@@ -7456,7 +7447,7 @@
                           <a:ea typeface="SimSun" pitchFamily="2" charset="-122"/>
                           <a:cs typeface="SimSun" pitchFamily="2" charset="-122"/>
                         </a:rPr>
-                        <a:t>watson</a:t>
+                        <a:t>IBM publishes </a:t>
                       </a:r>
                       <a:r>
                         <a:rPr kumimoji="0" lang="en-US" sz="1200" b="0" i="0" u="none" strike="noStrike" cap="none" normalizeH="0" baseline="0" smtClean="0">
@@ -7471,7 +7462,7 @@
                           <a:ea typeface="SimSun" pitchFamily="2" charset="-122"/>
                           <a:cs typeface="SimSun" pitchFamily="2" charset="-122"/>
                         </a:rPr>
-                        <a:t> services.</a:t>
+                        <a:t>Watson services.</a:t>
                       </a:r>
                       <a:endParaRPr kumimoji="0" lang="en-US" sz="1200" b="0" i="0" u="none" strike="noStrike" cap="none" normalizeH="0" baseline="0" dirty="0" smtClean="0">
                         <a:ln>
@@ -7597,7 +7588,7 @@
                 </a:tc>
                 <a:extLst>
                   <a:ext uri="{0D108BD9-81ED-4DB2-BD59-A6C34878D82A}">
-                    <a16:rowId xmlns="" xmlns:a16="http://schemas.microsoft.com/office/drawing/2014/main" val="10001"/>
+                    <a16:rowId xmlns:a16="http://schemas.microsoft.com/office/drawing/2014/main" xmlns="" val="10001"/>
                   </a:ext>
                 </a:extLst>
               </a:tr>
@@ -7633,7 +7624,7 @@
                 <a:gridCol w="4267200">
                   <a:extLst>
                     <a:ext uri="{9D8B030D-6E8A-4147-A177-3AD203B41FA5}">
-                      <a16:colId xmlns="" xmlns:a16="http://schemas.microsoft.com/office/drawing/2014/main" val="20000"/>
+                      <a16:colId xmlns:a16="http://schemas.microsoft.com/office/drawing/2014/main" xmlns="" val="20000"/>
                     </a:ext>
                   </a:extLst>
                 </a:gridCol>
@@ -7666,7 +7657,7 @@
                 </a:tc>
                 <a:extLst>
                   <a:ext uri="{0D108BD9-81ED-4DB2-BD59-A6C34878D82A}">
-                    <a16:rowId xmlns="" xmlns:a16="http://schemas.microsoft.com/office/drawing/2014/main" val="10000"/>
+                    <a16:rowId xmlns:a16="http://schemas.microsoft.com/office/drawing/2014/main" xmlns="" val="10000"/>
                   </a:ext>
                 </a:extLst>
               </a:tr>
@@ -7683,14 +7674,14 @@
           <p:nvPr>
             <p:extLst>
               <p:ext uri="{D42A27DB-BD31-4B8C-83A1-F6EECF244321}">
-                <p14:modId xmlns:p14="http://schemas.microsoft.com/office/powerpoint/2010/main" val="2899910544"/>
+                <p14:modId xmlns:p14="http://schemas.microsoft.com/office/powerpoint/2010/main" val="221925115"/>
               </p:ext>
             </p:extLst>
           </p:nvPr>
         </p:nvGraphicFramePr>
         <p:xfrm>
           <a:off x="152400" y="1524001"/>
-          <a:ext cx="4224998" cy="1694412"/>
+          <a:ext cx="4224998" cy="1813835"/>
         </p:xfrm>
         <a:graphic>
           <a:graphicData uri="http://schemas.openxmlformats.org/drawingml/2006/table">
@@ -7700,14 +7691,14 @@
                 <a:gridCol w="1282589">
                   <a:extLst>
                     <a:ext uri="{9D8B030D-6E8A-4147-A177-3AD203B41FA5}">
-                      <a16:colId xmlns="" xmlns:a16="http://schemas.microsoft.com/office/drawing/2014/main" val="20000"/>
+                      <a16:colId xmlns:a16="http://schemas.microsoft.com/office/drawing/2014/main" xmlns="" val="20000"/>
                     </a:ext>
                   </a:extLst>
                 </a:gridCol>
                 <a:gridCol w="2942409">
                   <a:extLst>
                     <a:ext uri="{9D8B030D-6E8A-4147-A177-3AD203B41FA5}">
-                      <a16:colId xmlns="" xmlns:a16="http://schemas.microsoft.com/office/drawing/2014/main" val="20001"/>
+                      <a16:colId xmlns:a16="http://schemas.microsoft.com/office/drawing/2014/main" xmlns="" val="20001"/>
                     </a:ext>
                   </a:extLst>
                 </a:gridCol>
@@ -7899,7 +7890,7 @@
                 </a:tc>
                 <a:extLst>
                   <a:ext uri="{0D108BD9-81ED-4DB2-BD59-A6C34878D82A}">
-                    <a16:rowId xmlns="" xmlns:a16="http://schemas.microsoft.com/office/drawing/2014/main" val="10000"/>
+                    <a16:rowId xmlns:a16="http://schemas.microsoft.com/office/drawing/2014/main" xmlns="" val="10000"/>
                   </a:ext>
                 </a:extLst>
               </a:tr>
@@ -7939,7 +7930,7 @@
                           <a:ea typeface="SimSun" pitchFamily="2" charset="-122"/>
                           <a:cs typeface="SimSun" pitchFamily="2" charset="-122"/>
                         </a:rPr>
-                        <a:t>Operations and Resource Managers</a:t>
+                        <a:t>Data Scientists</a:t>
                       </a:r>
                       <a:endParaRPr kumimoji="0" lang="en-US" sz="1000" b="1" i="0" u="none" strike="noStrike" cap="none" normalizeH="0" baseline="0" dirty="0">
                         <a:ln>
@@ -8037,7 +8028,18 @@
                           <a:ea typeface="+mn-ea"/>
                           <a:cs typeface="+mn-cs"/>
                         </a:rPr>
-                        <a:t>Need to optimize day-to-day product mix</a:t>
+                        <a:t>Need to create a method</a:t>
+                      </a:r>
+                      <a:r>
+                        <a:rPr lang="en-US" sz="1100" kern="1200" baseline="0" dirty="0" smtClean="0">
+                          <a:solidFill>
+                            <a:schemeClr val="tx1"/>
+                          </a:solidFill>
+                          <a:latin typeface="+mn-lt"/>
+                          <a:ea typeface="+mn-ea"/>
+                          <a:cs typeface="+mn-cs"/>
+                        </a:rPr>
+                        <a:t> to predict NBA basketball games</a:t>
                       </a:r>
                       <a:endParaRPr kumimoji="0" lang="en-US" sz="1100" b="0" i="0" u="none" strike="noStrike" cap="none" normalizeH="0" baseline="0" dirty="0">
                         <a:ln>
@@ -8106,7 +8108,7 @@
                 </a:tc>
                 <a:extLst>
                   <a:ext uri="{0D108BD9-81ED-4DB2-BD59-A6C34878D82A}">
-                    <a16:rowId xmlns="" xmlns:a16="http://schemas.microsoft.com/office/drawing/2014/main" val="10001"/>
+                    <a16:rowId xmlns:a16="http://schemas.microsoft.com/office/drawing/2014/main" xmlns="" val="10001"/>
                   </a:ext>
                 </a:extLst>
               </a:tr>
@@ -8219,26 +8221,19 @@
                         <a:tabLst/>
                       </a:pPr>
                       <a:r>
-                        <a:rPr lang="en-US" sz="1100" kern="1200" dirty="0" smtClean="0">
+                        <a:rPr kumimoji="0" lang="en-US" sz="1100" b="0" i="0" u="none" strike="noStrike" cap="none" normalizeH="0" baseline="0" dirty="0" smtClean="0">
+                          <a:ln>
+                            <a:noFill/>
+                          </a:ln>
                           <a:solidFill>
-                            <a:schemeClr val="tx1"/>
+                            <a:srgbClr val="000000"/>
                           </a:solidFill>
-                          <a:latin typeface="+mn-lt"/>
-                          <a:ea typeface="+mn-ea"/>
-                          <a:cs typeface="+mn-cs"/>
+                          <a:effectLst/>
+                          <a:latin typeface="Arial" charset="0"/>
+                          <a:ea typeface="SimSun" pitchFamily="2" charset="-122"/>
+                          <a:cs typeface="SimSun" pitchFamily="2" charset="-122"/>
                         </a:rPr>
-                        <a:t>Need to optimize day-to-day promotional</a:t>
-                      </a:r>
-                      <a:r>
-                        <a:rPr lang="en-US" sz="1100" kern="1200" baseline="0" dirty="0" smtClean="0">
-                          <a:solidFill>
-                            <a:schemeClr val="tx1"/>
-                          </a:solidFill>
-                          <a:latin typeface="+mn-lt"/>
-                          <a:ea typeface="+mn-ea"/>
-                          <a:cs typeface="+mn-cs"/>
-                        </a:rPr>
-                        <a:t> placement</a:t>
+                        <a:t>Want to communicate results in an intuitive way</a:t>
                       </a:r>
                       <a:endParaRPr kumimoji="0" lang="en-US" sz="1100" b="0" i="0" u="none" strike="noStrike" cap="none" normalizeH="0" baseline="0" dirty="0">
                         <a:ln>
@@ -8307,7 +8302,7 @@
                 </a:tc>
                 <a:extLst>
                   <a:ext uri="{0D108BD9-81ED-4DB2-BD59-A6C34878D82A}">
-                    <a16:rowId xmlns="" xmlns:a16="http://schemas.microsoft.com/office/drawing/2014/main" val="10002"/>
+                    <a16:rowId xmlns:a16="http://schemas.microsoft.com/office/drawing/2014/main" xmlns="" val="10002"/>
                   </a:ext>
                 </a:extLst>
               </a:tr>
@@ -8347,7 +8342,7 @@
                           <a:ea typeface="SimSun" pitchFamily="2" charset="-122"/>
                           <a:cs typeface="SimSun" pitchFamily="2" charset="-122"/>
                         </a:rPr>
-                        <a:t>C-Suite</a:t>
+                        <a:t>Web Developers</a:t>
                       </a:r>
                       <a:endParaRPr kumimoji="0" lang="en-US" sz="1000" b="1" i="0" u="none" strike="noStrike" cap="none" normalizeH="0" baseline="0" dirty="0">
                         <a:ln>
@@ -8448,41 +8443,20 @@
                           <a:ea typeface="SimSun" pitchFamily="2" charset="-122"/>
                           <a:cs typeface="SimSun" pitchFamily="2" charset="-122"/>
                         </a:rPr>
-                        <a:t>Improve number of transactions, and margin</a:t>
+                        <a:t>Want to create a service that predicts NBA basketball game outcomes</a:t>
                       </a:r>
-                    </a:p>
-                    <a:p>
-                      <a:pPr marL="0" marR="0" lvl="0" indent="0" algn="l" defTabSz="914400" rtl="0" eaLnBrk="1" fontAlgn="base" latinLnBrk="0" hangingPunct="1">
-                        <a:lnSpc>
-                          <a:spcPct val="100000"/>
-                        </a:lnSpc>
-                        <a:spcBef>
-                          <a:spcPct val="0"/>
-                        </a:spcBef>
-                        <a:spcAft>
-                          <a:spcPct val="0"/>
-                        </a:spcAft>
-                        <a:buClrTx/>
-                        <a:buSzTx/>
-                        <a:buFontTx/>
-                        <a:buNone/>
-                        <a:tabLst/>
-                      </a:pPr>
-                      <a:r>
-                        <a:rPr kumimoji="0" lang="en-US" sz="1100" b="0" i="0" u="none" strike="noStrike" cap="none" normalizeH="0" baseline="0" dirty="0" smtClean="0">
-                          <a:ln>
-                            <a:noFill/>
-                          </a:ln>
-                          <a:solidFill>
-                            <a:srgbClr val="000000"/>
-                          </a:solidFill>
-                          <a:effectLst/>
-                          <a:latin typeface="Arial" charset="0"/>
-                          <a:ea typeface="SimSun" pitchFamily="2" charset="-122"/>
-                          <a:cs typeface="SimSun" pitchFamily="2" charset="-122"/>
-                        </a:rPr>
-                        <a:t>Improve profits</a:t>
-                      </a:r>
+                      <a:endParaRPr kumimoji="0" lang="en-US" sz="1100" b="0" i="0" u="none" strike="noStrike" cap="none" normalizeH="0" baseline="0" dirty="0" smtClean="0">
+                        <a:ln>
+                          <a:noFill/>
+                        </a:ln>
+                        <a:solidFill>
+                          <a:srgbClr val="000000"/>
+                        </a:solidFill>
+                        <a:effectLst/>
+                        <a:latin typeface="Arial" charset="0"/>
+                        <a:ea typeface="SimSun" pitchFamily="2" charset="-122"/>
+                        <a:cs typeface="SimSun" pitchFamily="2" charset="-122"/>
+                      </a:endParaRPr>
                     </a:p>
                   </a:txBody>
                   <a:tcPr marT="45711" marB="45711" horzOverflow="overflow">
@@ -8538,7 +8512,7 @@
                 </a:tc>
                 <a:extLst>
                   <a:ext uri="{0D108BD9-81ED-4DB2-BD59-A6C34878D82A}">
-                    <a16:rowId xmlns="" xmlns:a16="http://schemas.microsoft.com/office/drawing/2014/main" val="10003"/>
+                    <a16:rowId xmlns:a16="http://schemas.microsoft.com/office/drawing/2014/main" xmlns="" val="10003"/>
                   </a:ext>
                 </a:extLst>
               </a:tr>
@@ -8804,14 +8778,14 @@
         <a:effectLst/>
         <a:extLst>
           <a:ext uri="{909E8E84-426E-40dd-AFC4-6F175D3DCCD1}">
-            <a14:hiddenFill xmlns:a14="http://schemas.microsoft.com/office/drawing/2010/main" xmlns="">
+            <a14:hiddenFill xmlns="" xmlns:a14="http://schemas.microsoft.com/office/drawing/2010/main">
               <a:solidFill>
                 <a:schemeClr val="accent1"/>
               </a:solidFill>
             </a14:hiddenFill>
           </a:ext>
           <a:ext uri="{91240B29-F687-4f45-9708-019B960494DF}">
-            <a14:hiddenLine xmlns:a14="http://schemas.microsoft.com/office/drawing/2010/main" xmlns="" w="9525" cap="flat" cmpd="sng" algn="ctr">
+            <a14:hiddenLine xmlns="" xmlns:a14="http://schemas.microsoft.com/office/drawing/2010/main" w="9525" cap="flat" cmpd="sng" algn="ctr">
               <a:solidFill>
                 <a:schemeClr val="tx1"/>
               </a:solidFill>
@@ -8822,7 +8796,7 @@
             </a14:hiddenLine>
           </a:ext>
           <a:ext uri="{AF507438-7753-43e0-B8FC-AC1667EBCBE1}">
-            <a14:hiddenEffects xmlns:a14="http://schemas.microsoft.com/office/drawing/2010/main" xmlns="">
+            <a14:hiddenEffects xmlns="" xmlns:a14="http://schemas.microsoft.com/office/drawing/2010/main">
               <a:effectLst>
                 <a:outerShdw blurRad="63500" dist="35921" dir="2700000" algn="ctr" rotWithShape="0">
                   <a:schemeClr val="bg2"/>
@@ -8888,14 +8862,14 @@
         <a:effectLst/>
         <a:extLst>
           <a:ext uri="{909E8E84-426E-40dd-AFC4-6F175D3DCCD1}">
-            <a14:hiddenFill xmlns:a14="http://schemas.microsoft.com/office/drawing/2010/main" xmlns="">
+            <a14:hiddenFill xmlns="" xmlns:a14="http://schemas.microsoft.com/office/drawing/2010/main">
               <a:solidFill>
                 <a:schemeClr val="accent1"/>
               </a:solidFill>
             </a14:hiddenFill>
           </a:ext>
           <a:ext uri="{91240B29-F687-4f45-9708-019B960494DF}">
-            <a14:hiddenLine xmlns:a14="http://schemas.microsoft.com/office/drawing/2010/main" xmlns="" w="9525" cap="flat" cmpd="sng" algn="ctr">
+            <a14:hiddenLine xmlns="" xmlns:a14="http://schemas.microsoft.com/office/drawing/2010/main" w="9525" cap="flat" cmpd="sng" algn="ctr">
               <a:solidFill>
                 <a:schemeClr val="tx1"/>
               </a:solidFill>
@@ -8906,7 +8880,7 @@
             </a14:hiddenLine>
           </a:ext>
           <a:ext uri="{AF507438-7753-43e0-B8FC-AC1667EBCBE1}">
-            <a14:hiddenEffects xmlns:a14="http://schemas.microsoft.com/office/drawing/2010/main" xmlns="">
+            <a14:hiddenEffects xmlns="" xmlns:a14="http://schemas.microsoft.com/office/drawing/2010/main">
               <a:effectLst>
                 <a:outerShdw blurRad="63500" dist="35921" dir="2700000" algn="ctr" rotWithShape="0">
                   <a:schemeClr val="bg2"/>

--- a/Demo Battle Card.pptx
+++ b/Demo Battle Card.pptx
@@ -7447,22 +7447,7 @@
                           <a:ea typeface="SimSun" pitchFamily="2" charset="-122"/>
                           <a:cs typeface="SimSun" pitchFamily="2" charset="-122"/>
                         </a:rPr>
-                        <a:t>IBM publishes </a:t>
-                      </a:r>
-                      <a:r>
-                        <a:rPr kumimoji="0" lang="en-US" sz="1200" b="0" i="0" u="none" strike="noStrike" cap="none" normalizeH="0" baseline="0" smtClean="0">
-                          <a:ln>
-                            <a:noFill/>
-                          </a:ln>
-                          <a:solidFill>
-                            <a:srgbClr val="000000"/>
-                          </a:solidFill>
-                          <a:effectLst/>
-                          <a:latin typeface="Arial" charset="0"/>
-                          <a:ea typeface="SimSun" pitchFamily="2" charset="-122"/>
-                          <a:cs typeface="SimSun" pitchFamily="2" charset="-122"/>
-                        </a:rPr>
-                        <a:t>Watson services.</a:t>
+                        <a:t>IBM publishes Watson services.</a:t>
                       </a:r>
                       <a:endParaRPr kumimoji="0" lang="en-US" sz="1200" b="0" i="0" u="none" strike="noStrike" cap="none" normalizeH="0" baseline="0" dirty="0" smtClean="0">
                         <a:ln>
